--- a/Dictionary.pptx
+++ b/Dictionary.pptx
@@ -252,7 +252,7 @@
           <a:p>
             <a:fld id="{7CCA049B-3A46-4BDA-A8F5-2925B00FE570}" type="datetimeFigureOut">
               <a:rPr lang="en-US" smtClean="0"/>
-              <a:t>8/24/2024</a:t>
+              <a:t>4/18/2025</a:t>
             </a:fld>
             <a:endParaRPr lang="en-US" dirty="0"/>
           </a:p>
@@ -417,7 +417,7 @@
           <a:p>
             <a:fld id="{44C46CEC-428A-4DD0-A7C7-21AF8DE33E93}" type="datetimeFigureOut">
               <a:rPr lang="en-US" smtClean="0"/>
-              <a:t>8/24/2024</a:t>
+              <a:t>4/18/2025</a:t>
             </a:fld>
             <a:endParaRPr lang="en-US" dirty="0"/>
           </a:p>
@@ -1348,7 +1348,7 @@
                 <a:tabLst/>
                 <a:defRPr/>
               </a:pPr>
-              <a:t>8/24/2024 9:36 AM</a:t>
+              <a:t>4/18/2025 11:48 PM</a:t>
             </a:fld>
             <a:endParaRPr kumimoji="0" lang="en-US" sz="1800" b="0" i="0" u="none" strike="noStrike" kern="0" cap="none" spc="0" normalizeH="0" baseline="0" noProof="0" dirty="0">
               <a:ln>
@@ -21105,250 +21105,6 @@
       </p:sp>
       <p:sp>
         <p:nvSpPr>
-          <p:cNvPr id="46" name="Rectangle 45"/>
-          <p:cNvSpPr/>
-          <p:nvPr/>
-        </p:nvSpPr>
-        <p:spPr>
-          <a:xfrm flipH="1">
-            <a:off x="270962" y="2715397"/>
-            <a:ext cx="9352541" cy="4112157"/>
-          </a:xfrm>
-          <a:prstGeom prst="rect">
-            <a:avLst/>
-          </a:prstGeom>
-          <a:solidFill>
-            <a:schemeClr val="bg2"/>
-          </a:solidFill>
-          <a:ln>
-            <a:noFill/>
-          </a:ln>
-        </p:spPr>
-        <p:style>
-          <a:lnRef idx="2">
-            <a:schemeClr val="accent1">
-              <a:shade val="50000"/>
-            </a:schemeClr>
-          </a:lnRef>
-          <a:fillRef idx="1">
-            <a:schemeClr val="accent1"/>
-          </a:fillRef>
-          <a:effectRef idx="0">
-            <a:schemeClr val="accent1"/>
-          </a:effectRef>
-          <a:fontRef idx="minor">
-            <a:schemeClr val="lt1"/>
-          </a:fontRef>
-        </p:style>
-        <p:txBody>
-          <a:bodyPr rtlCol="0" anchor="t"/>
-          <a:lstStyle/>
-          <a:p>
-            <a:pPr lvl="0">
-              <a:lnSpc>
-                <a:spcPct val="150000"/>
-              </a:lnSpc>
-            </a:pPr>
-            <a:r>
-              <a:rPr lang="en-US" sz="2800" dirty="0">
-                <a:gradFill>
-                  <a:gsLst>
-                    <a:gs pos="0">
-                      <a:srgbClr val="75D1FF">
-                        <a:lumMod val="5000"/>
-                        <a:lumOff val="95000"/>
-                      </a:srgbClr>
-                    </a:gs>
-                    <a:gs pos="100000">
-                      <a:srgbClr val="FFFFFF"/>
-                    </a:gs>
-                  </a:gsLst>
-                  <a:lin ang="5400000" scaled="1"/>
-                </a:gradFill>
-              </a:rPr>
-              <a:t>PREPARED BY :</a:t>
-            </a:r>
-          </a:p>
-          <a:p>
-            <a:pPr lvl="0">
-              <a:lnSpc>
-                <a:spcPct val="150000"/>
-              </a:lnSpc>
-            </a:pPr>
-            <a:r>
-              <a:rPr lang="en-US" sz="2800" dirty="0">
-                <a:gradFill>
-                  <a:gsLst>
-                    <a:gs pos="0">
-                      <a:srgbClr val="75D1FF">
-                        <a:lumMod val="5000"/>
-                        <a:lumOff val="95000"/>
-                      </a:srgbClr>
-                    </a:gs>
-                    <a:gs pos="100000">
-                      <a:srgbClr val="FFFFFF"/>
-                    </a:gs>
-                  </a:gsLst>
-                  <a:lin ang="5400000" scaled="1"/>
-                </a:gradFill>
-              </a:rPr>
-              <a:t>NAME			:	MASRANI KASAK ATULBHAI</a:t>
-            </a:r>
-          </a:p>
-          <a:p>
-            <a:pPr lvl="0">
-              <a:lnSpc>
-                <a:spcPct val="150000"/>
-              </a:lnSpc>
-            </a:pPr>
-            <a:r>
-              <a:rPr lang="en-US" sz="2800" dirty="0">
-                <a:gradFill>
-                  <a:gsLst>
-                    <a:gs pos="0">
-                      <a:srgbClr val="75D1FF">
-                        <a:lumMod val="5000"/>
-                        <a:lumOff val="95000"/>
-                      </a:srgbClr>
-                    </a:gs>
-                    <a:gs pos="100000">
-                      <a:srgbClr val="FFFFFF"/>
-                    </a:gs>
-                  </a:gsLst>
-                  <a:lin ang="5400000" scaled="1"/>
-                </a:gradFill>
-              </a:rPr>
-              <a:t>ROLL NO.			:	1</a:t>
-            </a:r>
-          </a:p>
-          <a:p>
-            <a:pPr lvl="0">
-              <a:lnSpc>
-                <a:spcPct val="150000"/>
-              </a:lnSpc>
-            </a:pPr>
-            <a:r>
-              <a:rPr lang="en-US" sz="2800" dirty="0">
-                <a:gradFill>
-                  <a:gsLst>
-                    <a:gs pos="0">
-                      <a:srgbClr val="75D1FF">
-                        <a:lumMod val="5000"/>
-                        <a:lumOff val="95000"/>
-                      </a:srgbClr>
-                    </a:gs>
-                    <a:gs pos="100000">
-                      <a:srgbClr val="FFFFFF"/>
-                    </a:gs>
-                  </a:gsLst>
-                  <a:lin ang="5400000" scaled="1"/>
-                </a:gradFill>
-              </a:rPr>
-              <a:t>ENROLLMENT NO.	:	23002170110083</a:t>
-            </a:r>
-          </a:p>
-          <a:p>
-            <a:pPr lvl="0">
-              <a:lnSpc>
-                <a:spcPct val="150000"/>
-              </a:lnSpc>
-            </a:pPr>
-            <a:r>
-              <a:rPr lang="en-US" sz="2800" dirty="0">
-                <a:gradFill>
-                  <a:gsLst>
-                    <a:gs pos="0">
-                      <a:srgbClr val="75D1FF">
-                        <a:lumMod val="5000"/>
-                        <a:lumOff val="95000"/>
-                      </a:srgbClr>
-                    </a:gs>
-                    <a:gs pos="100000">
-                      <a:srgbClr val="FFFFFF"/>
-                    </a:gs>
-                  </a:gsLst>
-                  <a:lin ang="5400000" scaled="1"/>
-                </a:gradFill>
-              </a:rPr>
-              <a:t>BATCH			: 	D1</a:t>
-            </a:r>
-          </a:p>
-          <a:p>
-            <a:pPr lvl="0">
-              <a:lnSpc>
-                <a:spcPct val="150000"/>
-              </a:lnSpc>
-            </a:pPr>
-            <a:r>
-              <a:rPr lang="en-US" sz="2800" dirty="0">
-                <a:gradFill>
-                  <a:gsLst>
-                    <a:gs pos="0">
-                      <a:srgbClr val="75D1FF">
-                        <a:lumMod val="5000"/>
-                        <a:lumOff val="95000"/>
-                      </a:srgbClr>
-                    </a:gs>
-                    <a:gs pos="100000">
-                      <a:srgbClr val="FFFFFF"/>
-                    </a:gs>
-                  </a:gsLst>
-                  <a:lin ang="5400000" scaled="1"/>
-                </a:gradFill>
-              </a:rPr>
-              <a:t>BRANCH			:	CE</a:t>
-            </a:r>
-          </a:p>
-          <a:p>
-            <a:pPr lvl="0">
-              <a:lnSpc>
-                <a:spcPct val="150000"/>
-              </a:lnSpc>
-            </a:pPr>
-            <a:endParaRPr lang="en-US" sz="2800" dirty="0">
-              <a:gradFill>
-                <a:gsLst>
-                  <a:gs pos="0">
-                    <a:srgbClr val="75D1FF">
-                      <a:lumMod val="5000"/>
-                      <a:lumOff val="95000"/>
-                    </a:srgbClr>
-                  </a:gs>
-                  <a:gs pos="100000">
-                    <a:srgbClr val="FFFFFF"/>
-                  </a:gs>
-                </a:gsLst>
-                <a:lin ang="5400000" scaled="1"/>
-              </a:gradFill>
-            </a:endParaRPr>
-          </a:p>
-          <a:p>
-            <a:pPr lvl="0">
-              <a:lnSpc>
-                <a:spcPct val="150000"/>
-              </a:lnSpc>
-            </a:pPr>
-            <a:endParaRPr lang="en-US" sz="2800" dirty="0">
-              <a:gradFill>
-                <a:gsLst>
-                  <a:gs pos="0">
-                    <a:srgbClr val="75D1FF">
-                      <a:lumMod val="5000"/>
-                      <a:lumOff val="95000"/>
-                    </a:srgbClr>
-                  </a:gs>
-                  <a:gs pos="100000">
-                    <a:srgbClr val="FFFFFF"/>
-                  </a:gs>
-                </a:gsLst>
-                <a:lin ang="5400000" scaled="1"/>
-              </a:gradFill>
-            </a:endParaRPr>
-          </a:p>
-        </p:txBody>
-      </p:sp>
-      <p:sp>
-        <p:nvSpPr>
           <p:cNvPr id="9" name="Title 6"/>
           <p:cNvSpPr txBox="1">
             <a:spLocks/>
@@ -22514,88 +22270,6 @@
                             </p:childTnLst>
                           </p:cTn>
                         </p:par>
-                        <p:par>
-                          <p:cTn id="56" fill="hold">
-                            <p:stCondLst>
-                              <p:cond delay="1250"/>
-                            </p:stCondLst>
-                            <p:childTnLst>
-                              <p:par>
-                                <p:cTn id="57" presetID="2" presetClass="entr" presetSubtype="1" decel="100000" fill="hold" grpId="0" nodeType="afterEffect">
-                                  <p:stCondLst>
-                                    <p:cond delay="0"/>
-                                  </p:stCondLst>
-                                  <p:childTnLst>
-                                    <p:set>
-                                      <p:cBhvr>
-                                        <p:cTn id="58" dur="1" fill="hold">
-                                          <p:stCondLst>
-                                            <p:cond delay="0"/>
-                                          </p:stCondLst>
-                                        </p:cTn>
-                                        <p:tgtEl>
-                                          <p:spTgt spid="46"/>
-                                        </p:tgtEl>
-                                        <p:attrNameLst>
-                                          <p:attrName>style.visibility</p:attrName>
-                                        </p:attrNameLst>
-                                      </p:cBhvr>
-                                      <p:to>
-                                        <p:strVal val="visible"/>
-                                      </p:to>
-                                    </p:set>
-                                    <p:anim calcmode="lin" valueType="num">
-                                      <p:cBhvr additive="base">
-                                        <p:cTn id="59" dur="650" fill="hold"/>
-                                        <p:tgtEl>
-                                          <p:spTgt spid="46"/>
-                                        </p:tgtEl>
-                                        <p:attrNameLst>
-                                          <p:attrName>ppt_x</p:attrName>
-                                        </p:attrNameLst>
-                                      </p:cBhvr>
-                                      <p:tavLst>
-                                        <p:tav tm="0">
-                                          <p:val>
-                                            <p:strVal val="#ppt_x"/>
-                                          </p:val>
-                                        </p:tav>
-                                        <p:tav tm="100000">
-                                          <p:val>
-                                            <p:strVal val="#ppt_x"/>
-                                          </p:val>
-                                        </p:tav>
-                                      </p:tavLst>
-                                    </p:anim>
-                                    <p:anim calcmode="lin" valueType="num">
-                                      <p:cBhvr additive="base">
-                                        <p:cTn id="60" dur="650" fill="hold"/>
-                                        <p:tgtEl>
-                                          <p:spTgt spid="46"/>
-                                        </p:tgtEl>
-                                        <p:attrNameLst>
-                                          <p:attrName>ppt_y</p:attrName>
-                                        </p:attrNameLst>
-                                      </p:cBhvr>
-                                      <p:tavLst>
-                                        <p:tav tm="0">
-                                          <p:val>
-                                            <p:strVal val="0-#ppt_h/2"/>
-                                          </p:val>
-                                        </p:tav>
-                                        <p:tav tm="100000">
-                                          <p:val>
-                                            <p:strVal val="#ppt_y"/>
-                                          </p:val>
-                                        </p:tav>
-                                      </p:tavLst>
-                                    </p:anim>
-                                  </p:childTnLst>
-                                </p:cTn>
-                              </p:par>
-                            </p:childTnLst>
-                          </p:cTn>
-                        </p:par>
                       </p:childTnLst>
                     </p:cTn>
                   </p:par>
@@ -22633,7 +22307,6 @@
       <p:bldP spid="11" grpId="1" animBg="1"/>
       <p:bldP spid="12" grpId="0" animBg="1"/>
       <p:bldP spid="12" grpId="1" animBg="1"/>
-      <p:bldP spid="46" grpId="0" animBg="1"/>
       <p:bldP spid="19" grpId="0" animBg="1"/>
     </p:bldLst>
   </p:timing>
@@ -43390,21 +43063,21 @@
 </file>
 
 <file path=customXml/item2.xml><?xml version="1.0" encoding="utf-8"?>
+<?mso-contentType ?>
+<FormTemplates xmlns="http://schemas.microsoft.com/sharepoint/v3/contenttype/forms">
+  <Display>DocumentLibraryForm</Display>
+  <Edit>DocumentLibraryForm</Edit>
+  <New>DocumentLibraryForm</New>
+</FormTemplates>
+</file>
+
+<file path=customXml/item3.xml><?xml version="1.0" encoding="utf-8"?>
 <p:properties xmlns:p="http://schemas.microsoft.com/office/2006/metadata/properties" xmlns:xsi="http://www.w3.org/2001/XMLSchema-instance" xmlns:pc="http://schemas.microsoft.com/office/infopath/2007/PartnerControls">
   <documentManagement>
     <Status xmlns="71af3243-3dd4-4a8d-8c0d-dd76da1f02a5">Not started</Status>
     <MediaServiceKeyPoints xmlns="71af3243-3dd4-4a8d-8c0d-dd76da1f02a5" xsi:nil="true"/>
   </documentManagement>
 </p:properties>
-</file>
-
-<file path=customXml/item3.xml><?xml version="1.0" encoding="utf-8"?>
-<?mso-contentType ?>
-<FormTemplates xmlns="http://schemas.microsoft.com/sharepoint/v3/contenttype/forms">
-  <Display>DocumentLibraryForm</Display>
-  <Edit>DocumentLibraryForm</Edit>
-  <New>DocumentLibraryForm</New>
-</FormTemplates>
 </file>
 
 <file path=customXml/itemProps1.xml><?xml version="1.0" encoding="utf-8"?>
@@ -43427,6 +43100,14 @@
 </file>
 
 <file path=customXml/itemProps2.xml><?xml version="1.0" encoding="utf-8"?>
+<ds:datastoreItem xmlns:ds="http://schemas.openxmlformats.org/officeDocument/2006/customXml" ds:itemID="{530CA71C-6B24-463C-853F-076A02E27CBC}">
+  <ds:schemaRefs>
+    <ds:schemaRef ds:uri="http://schemas.microsoft.com/sharepoint/v3/contenttype/forms"/>
+  </ds:schemaRefs>
+</ds:datastoreItem>
+</file>
+
+<file path=customXml/itemProps3.xml><?xml version="1.0" encoding="utf-8"?>
 <ds:datastoreItem xmlns:ds="http://schemas.openxmlformats.org/officeDocument/2006/customXml" ds:itemID="{9D2E6351-E64A-42DD-A554-7DF752222129}">
   <ds:schemaRefs>
     <ds:schemaRef ds:uri="http://schemas.microsoft.com/office/2006/metadata/properties"/>
@@ -43434,12 +43115,4 @@
     <ds:schemaRef ds:uri="71af3243-3dd4-4a8d-8c0d-dd76da1f02a5"/>
   </ds:schemaRefs>
 </ds:datastoreItem>
-</file>
-
-<file path=customXml/itemProps3.xml><?xml version="1.0" encoding="utf-8"?>
-<ds:datastoreItem xmlns:ds="http://schemas.openxmlformats.org/officeDocument/2006/customXml" ds:itemID="{530CA71C-6B24-463C-853F-076A02E27CBC}">
-  <ds:schemaRefs>
-    <ds:schemaRef ds:uri="http://schemas.microsoft.com/sharepoint/v3/contenttype/forms"/>
-  </ds:schemaRefs>
-</ds:datastoreItem>
 </file>